--- a/static/slides/Presention_gudie.pptx
+++ b/static/slides/Presention_gudie.pptx
@@ -284,7 +284,7 @@
               <a:pPr>
                 <a:defRPr/>
               </a:pPr>
-              <a:t>10/01/2023</a:t>
+              <a:t>12/12/2023</a:t>
             </a:fld>
             <a:endParaRPr lang="en-GB" dirty="0"/>
           </a:p>
@@ -5524,7 +5524,7 @@
                 </a:solidFill>
                 <a:latin typeface="+mj-lt"/>
               </a:rPr>
-              <a:t>Winter School 2023</a:t>
+              <a:t>Winter School 2024</a:t>
             </a:r>
             <a:br>
               <a:rPr lang="en-GB" sz="4000" b="1" dirty="0">
